--- a/doc/GUIpart_updated.pptx
+++ b/doc/GUIpart_updated.pptx
@@ -5115,11 +5115,7 @@
           <a:p>
             <a:r>
               <a:rPr lang="sv-SE" dirty="0" smtClean="0"/>
-              <a:t>Mälardalen University, Västerås, </a:t>
-            </a:r>
-            <a:r>
-              <a:rPr lang="sv-SE" dirty="0" smtClean="0"/>
-              <a:t>25.03.2011</a:t>
+              <a:t>Mälardalen University, Västerås, 25.03.2011</a:t>
             </a:r>
             <a:endParaRPr lang="sv-SE" dirty="0"/>
           </a:p>
@@ -5213,23 +5209,11 @@
             </a:r>
             <a:r>
               <a:rPr lang="sv-SE" sz="1800" b="1" dirty="0" smtClean="0"/>
-              <a:t>9x9 </a:t>
-            </a:r>
-            <a:r>
-              <a:rPr lang="sv-SE" sz="1800" b="1" dirty="0" smtClean="0"/>
-              <a:t>grid</a:t>
+              <a:t>9x9 grid</a:t>
             </a:r>
             <a:r>
               <a:rPr lang="sv-SE" sz="1800" dirty="0" smtClean="0"/>
-              <a:t>, </a:t>
-            </a:r>
-            <a:r>
-              <a:rPr lang="sv-SE" sz="1800" dirty="0" smtClean="0"/>
-              <a:t>sub-divided </a:t>
-            </a:r>
-            <a:r>
-              <a:rPr lang="sv-SE" sz="1800" dirty="0" smtClean="0"/>
-              <a:t>into  9 squares containing a </a:t>
+              <a:t>, sub-divided into  9 squares containing a </a:t>
             </a:r>
             <a:r>
               <a:rPr lang="sv-SE" sz="1800" b="1" dirty="0" smtClean="0"/>
@@ -6091,11 +6075,7 @@
           <a:p>
             <a:r>
               <a:rPr lang="en-US" dirty="0" smtClean="0"/>
-              <a:t>Creates </a:t>
-            </a:r>
-            <a:r>
-              <a:rPr lang="en-US" dirty="0" smtClean="0"/>
-              <a:t>and displays a </a:t>
+              <a:t>Creates and displays a </a:t>
             </a:r>
             <a:r>
               <a:rPr lang="en-US" b="1" dirty="0" smtClean="0"/>
@@ -6105,16 +6085,11 @@
               <a:rPr lang="en-US" dirty="0" smtClean="0"/>
               <a:t>on the board. </a:t>
             </a:r>
-            <a:endParaRPr lang="en-US" dirty="0" smtClean="0"/>
           </a:p>
           <a:p>
             <a:r>
               <a:rPr lang="en-US" dirty="0" smtClean="0"/>
-              <a:t>Selects </a:t>
-            </a:r>
-            <a:r>
-              <a:rPr lang="en-US" dirty="0" smtClean="0"/>
-              <a:t>a game from a database of several games. </a:t>
+              <a:t>Selects a game from a database of several games. </a:t>
             </a:r>
           </a:p>
           <a:p>
@@ -6143,15 +6118,7 @@
             </a:r>
             <a:r>
               <a:rPr lang="en-US" dirty="0" smtClean="0"/>
-              <a:t> when </a:t>
-            </a:r>
-            <a:r>
-              <a:rPr lang="en-US" dirty="0" smtClean="0"/>
-              <a:t>the </a:t>
-            </a:r>
-            <a:r>
-              <a:rPr lang="en-US" dirty="0" smtClean="0"/>
-              <a:t>application is </a:t>
+              <a:t> when the application is </a:t>
             </a:r>
             <a:r>
               <a:rPr lang="en-US" b="1" dirty="0" smtClean="0"/>
@@ -6165,23 +6132,7 @@
           <a:p>
             <a:r>
               <a:rPr lang="en-US" dirty="0" smtClean="0"/>
-              <a:t>Once </a:t>
-            </a:r>
-            <a:r>
-              <a:rPr lang="en-US" dirty="0" smtClean="0"/>
-              <a:t>a game has </a:t>
-            </a:r>
-            <a:r>
-              <a:rPr lang="en-US" dirty="0" smtClean="0"/>
-              <a:t>been displayed</a:t>
-            </a:r>
-            <a:r>
-              <a:rPr lang="en-US" dirty="0" smtClean="0"/>
-              <a:t>, the remaining buttons get </a:t>
-            </a:r>
-            <a:r>
-              <a:rPr lang="en-US" dirty="0" smtClean="0"/>
-              <a:t>enabled.</a:t>
+              <a:t>Once a game has been displayed, the remaining buttons get enabled.</a:t>
             </a:r>
           </a:p>
         </p:txBody>
@@ -6512,11 +6463,7 @@
           <a:p>
             <a:r>
               <a:rPr lang="en-US" sz="1400" b="1" i="1" dirty="0" smtClean="0"/>
-              <a:t>Hint </a:t>
-            </a:r>
-            <a:r>
-              <a:rPr lang="en-US" sz="1400" b="1" i="1" dirty="0" smtClean="0"/>
-              <a:t>cells cannot</a:t>
+              <a:t>Hint cells cannot</a:t>
             </a:r>
             <a:r>
               <a:rPr lang="en-US" sz="1400" i="1" dirty="0" smtClean="0"/>
@@ -6524,11 +6471,7 @@
             </a:r>
             <a:r>
               <a:rPr lang="en-US" sz="1400" b="1" i="1" dirty="0" smtClean="0"/>
-              <a:t>be </a:t>
-            </a:r>
-            <a:r>
-              <a:rPr lang="en-US" sz="1400" b="1" i="1" dirty="0" smtClean="0"/>
-              <a:t>modified </a:t>
+              <a:t>be modified </a:t>
             </a:r>
             <a:r>
               <a:rPr lang="en-US" sz="1400" i="1" dirty="0" smtClean="0"/>
@@ -6626,15 +6569,7 @@
           <a:p>
             <a:r>
               <a:rPr lang="en-US" dirty="0" smtClean="0"/>
-              <a:t>Solves </a:t>
-            </a:r>
-            <a:r>
-              <a:rPr lang="en-US" dirty="0" smtClean="0"/>
-              <a:t>the current game and displays the solution on </a:t>
-            </a:r>
-            <a:r>
-              <a:rPr lang="en-US" dirty="0" smtClean="0"/>
-              <a:t>the board.</a:t>
+              <a:t>Solves the current game and displays the solution on the board.</a:t>
             </a:r>
           </a:p>
           <a:p>
@@ -6647,11 +6582,7 @@
             </a:pPr>
             <a:r>
               <a:rPr lang="en-US" b="1" dirty="0" smtClean="0"/>
-              <a:t>Three </a:t>
-            </a:r>
-            <a:r>
-              <a:rPr lang="en-US" b="1" dirty="0" smtClean="0"/>
-              <a:t>main steps:</a:t>
+              <a:t>Three main steps:</a:t>
             </a:r>
           </a:p>
           <a:p>
@@ -6669,31 +6600,11 @@
             </a:r>
             <a:r>
               <a:rPr lang="en-US" b="1" dirty="0" smtClean="0"/>
-              <a:t>numerical </a:t>
-            </a:r>
-            <a:r>
-              <a:rPr lang="en-US" b="1" dirty="0" smtClean="0"/>
-              <a:t>matrix </a:t>
+              <a:t>numerical matrix </a:t>
             </a:r>
             <a:r>
               <a:rPr lang="en-US" dirty="0" smtClean="0"/>
-              <a:t>of </a:t>
-            </a:r>
-            <a:r>
-              <a:rPr lang="en-US" dirty="0" smtClean="0"/>
-              <a:t>81 </a:t>
-            </a:r>
-            <a:r>
-              <a:rPr lang="en-US" dirty="0" smtClean="0"/>
-              <a:t>elements. Empty cells are </a:t>
-            </a:r>
-            <a:r>
-              <a:rPr lang="en-US" dirty="0" smtClean="0"/>
-              <a:t>substituted by </a:t>
-            </a:r>
-            <a:r>
-              <a:rPr lang="en-US" dirty="0" smtClean="0"/>
-              <a:t>zeros. A </a:t>
+              <a:t>of 81 elements. Empty cells are substituted by zeros. A </a:t>
             </a:r>
             <a:r>
               <a:rPr lang="en-US" b="1" dirty="0" smtClean="0"/>
@@ -6701,11 +6612,7 @@
             </a:r>
             <a:r>
               <a:rPr lang="en-US" dirty="0" smtClean="0"/>
-              <a:t> </a:t>
-            </a:r>
-            <a:r>
-              <a:rPr lang="en-US" dirty="0" smtClean="0"/>
-              <a:t>of the </a:t>
+              <a:t> of the </a:t>
             </a:r>
             <a:r>
               <a:rPr lang="en-US" b="1" dirty="0" smtClean="0"/>
@@ -6713,11 +6620,7 @@
             </a:r>
             <a:r>
               <a:rPr lang="en-US" dirty="0" smtClean="0"/>
-              <a:t>is </a:t>
-            </a:r>
-            <a:r>
-              <a:rPr lang="en-US" dirty="0" smtClean="0"/>
-              <a:t>performed.</a:t>
+              <a:t>is performed.</a:t>
             </a:r>
             <a:r>
               <a:rPr lang="en-US" sz="3200" b="1" dirty="0" smtClean="0">
@@ -6750,11 +6653,7 @@
             </a:r>
             <a:r>
               <a:rPr lang="en-US" dirty="0" smtClean="0"/>
-              <a:t> </a:t>
-            </a:r>
-            <a:r>
-              <a:rPr lang="en-US" dirty="0" smtClean="0"/>
-              <a:t>the Sudoku solver function, </a:t>
+              <a:t> the Sudoku solver function, </a:t>
             </a:r>
             <a:r>
               <a:rPr lang="en-US" i="1" dirty="0" err="1" smtClean="0"/>
@@ -6766,19 +6665,7 @@
             </a:r>
             <a:r>
               <a:rPr lang="en-US" dirty="0" smtClean="0"/>
-              <a:t> using the </a:t>
-            </a:r>
-            <a:r>
-              <a:rPr lang="en-US" dirty="0" smtClean="0"/>
-              <a:t>numerical matrix </a:t>
-            </a:r>
-            <a:r>
-              <a:rPr lang="en-US" dirty="0" smtClean="0"/>
-              <a:t>as an input</a:t>
-            </a:r>
-            <a:r>
-              <a:rPr lang="en-US" dirty="0" smtClean="0"/>
-              <a:t>.</a:t>
+              <a:t> using the numerical matrix as an input.</a:t>
             </a:r>
           </a:p>
           <a:p>
@@ -6799,15 +6686,7 @@
             </a:r>
             <a:r>
               <a:rPr lang="en-US" dirty="0" smtClean="0"/>
-              <a:t>the solution provided by the Sudoku solver function and </a:t>
-            </a:r>
-            <a:r>
-              <a:rPr lang="en-US" dirty="0" smtClean="0"/>
-              <a:t>populate the </a:t>
-            </a:r>
-            <a:r>
-              <a:rPr lang="en-US" dirty="0" smtClean="0"/>
-              <a:t>board. </a:t>
+              <a:t>the solution provided by the Sudoku solver function and populate the board. </a:t>
             </a:r>
             <a:endParaRPr lang="sv-SE" dirty="0" smtClean="0"/>
           </a:p>
@@ -6878,19 +6757,11 @@
             </a:r>
             <a:r>
               <a:rPr lang="en-US" sz="1400" b="1" i="1" dirty="0" smtClean="0"/>
-              <a:t>integer values from </a:t>
-            </a:r>
-            <a:r>
-              <a:rPr lang="en-US" sz="1400" b="1" i="1" dirty="0" smtClean="0"/>
-              <a:t>1-9 </a:t>
+              <a:t>integer values from 1-9 </a:t>
             </a:r>
             <a:r>
               <a:rPr lang="en-US" sz="1400" i="1" dirty="0" smtClean="0"/>
-              <a:t>can </a:t>
-            </a:r>
-            <a:r>
-              <a:rPr lang="en-US" sz="1400" i="1" dirty="0" smtClean="0"/>
-              <a:t>be inserted in the cells.</a:t>
+              <a:t>can be inserted in the cells.</a:t>
             </a:r>
             <a:endParaRPr lang="en-US" sz="1400" i="1" dirty="0"/>
           </a:p>
@@ -7141,20 +7012,11 @@
               <a:rPr lang="en-US" b="1" dirty="0" smtClean="0"/>
               <a:t>Objective</a:t>
             </a:r>
-            <a:endParaRPr lang="en-US" b="1" dirty="0" smtClean="0"/>
           </a:p>
           <a:p>
             <a:r>
               <a:rPr lang="en-US" dirty="0" smtClean="0"/>
-              <a:t>E</a:t>
-            </a:r>
-            <a:r>
-              <a:rPr lang="en-US" dirty="0" smtClean="0"/>
-              <a:t>xamines </a:t>
-            </a:r>
-            <a:r>
-              <a:rPr lang="en-US" dirty="0" smtClean="0"/>
-              <a:t>the </a:t>
+              <a:t>Examines the </a:t>
             </a:r>
             <a:r>
               <a:rPr lang="en-US" b="1" dirty="0" smtClean="0"/>
@@ -7162,17 +7024,8 @@
             </a:r>
             <a:r>
               <a:rPr lang="en-US" dirty="0" smtClean="0"/>
-              <a:t> of either a partial game or a </a:t>
-            </a:r>
-            <a:r>
-              <a:rPr lang="en-US" dirty="0" smtClean="0"/>
-              <a:t>complete game</a:t>
-            </a:r>
-            <a:r>
-              <a:rPr lang="en-US" dirty="0" smtClean="0"/>
-              <a:t>. </a:t>
-            </a:r>
-            <a:endParaRPr lang="en-US" dirty="0" smtClean="0"/>
+              <a:t> of either a partial game or a complete game. </a:t>
+            </a:r>
           </a:p>
         </p:txBody>
       </p:sp>
@@ -7260,19 +7113,11 @@
             </a:r>
             <a:r>
               <a:rPr lang="en-US" sz="1600" dirty="0" smtClean="0"/>
-              <a:t>game, </a:t>
-            </a:r>
-            <a:r>
-              <a:rPr lang="en-US" sz="1600" dirty="0" smtClean="0"/>
-              <a:t>the program will display a pop-up window with an </a:t>
+              <a:t>game, the program will display a pop-up window with an </a:t>
             </a:r>
             <a:r>
               <a:rPr lang="en-US" sz="1600" b="1" dirty="0" smtClean="0"/>
-              <a:t>error </a:t>
-            </a:r>
-            <a:r>
-              <a:rPr lang="en-US" sz="1600" b="1" dirty="0" smtClean="0"/>
-              <a:t>message.</a:t>
+              <a:t>error message.</a:t>
             </a:r>
             <a:endParaRPr lang="en-US" sz="1600" b="1" dirty="0"/>
           </a:p>
@@ -7313,19 +7158,7 @@
             </a:r>
             <a:r>
               <a:rPr lang="en-US" sz="1600" b="1" dirty="0" smtClean="0"/>
-              <a:t>number of </a:t>
-            </a:r>
-            <a:r>
-              <a:rPr lang="en-US" sz="1600" b="1" dirty="0" smtClean="0"/>
-              <a:t>remaining </a:t>
-            </a:r>
-            <a:r>
-              <a:rPr lang="en-US" sz="1600" b="1" dirty="0" smtClean="0"/>
-              <a:t>empty </a:t>
-            </a:r>
-            <a:r>
-              <a:rPr lang="en-US" sz="1600" b="1" dirty="0" smtClean="0"/>
-              <a:t>cells </a:t>
+              <a:t>number of remaining empty cells </a:t>
             </a:r>
             <a:r>
               <a:rPr lang="en-US" sz="1600" dirty="0" smtClean="0"/>
@@ -7456,11 +7289,7 @@
           <a:p>
             <a:r>
               <a:rPr lang="en-US" dirty="0" smtClean="0"/>
-              <a:t>I</a:t>
-            </a:r>
-            <a:r>
-              <a:rPr lang="en-US" dirty="0" smtClean="0"/>
-              <a:t>t </a:t>
+              <a:t>It </a:t>
             </a:r>
             <a:r>
               <a:rPr lang="en-US" b="1" dirty="0" smtClean="0"/>
@@ -7468,11 +7297,7 @@
             </a:r>
             <a:r>
               <a:rPr lang="en-US" dirty="0" smtClean="0"/>
-              <a:t> </a:t>
-            </a:r>
-            <a:r>
-              <a:rPr lang="en-US" dirty="0" smtClean="0"/>
-              <a:t>the board and </a:t>
+              <a:t> the board and </a:t>
             </a:r>
             <a:r>
               <a:rPr lang="en-US" b="1" dirty="0" smtClean="0"/>
@@ -7480,15 +7305,7 @@
             </a:r>
             <a:r>
               <a:rPr lang="en-US" dirty="0" smtClean="0"/>
-              <a:t> all the buttons except the random </a:t>
-            </a:r>
-            <a:r>
-              <a:rPr lang="en-US" dirty="0" smtClean="0"/>
-              <a:t>button, returning the </a:t>
-            </a:r>
-            <a:r>
-              <a:rPr lang="en-US" dirty="0" smtClean="0"/>
-              <a:t>program to its initial state.</a:t>
+              <a:t> all the buttons except the random button, returning the program to its initial state.</a:t>
             </a:r>
             <a:endParaRPr lang="sv-SE" dirty="0" smtClean="0"/>
           </a:p>
@@ -7599,19 +7416,7 @@
           <a:p>
             <a:r>
               <a:rPr lang="en-US" dirty="0" smtClean="0"/>
-              <a:t>Created in to </a:t>
-            </a:r>
-            <a:r>
-              <a:rPr lang="en-US" dirty="0" smtClean="0"/>
-              <a:t>have </a:t>
-            </a:r>
-            <a:r>
-              <a:rPr lang="en-US" dirty="0" smtClean="0"/>
-              <a:t>different </a:t>
-            </a:r>
-            <a:r>
-              <a:rPr lang="en-US" dirty="0" smtClean="0"/>
-              <a:t>games to be </a:t>
+              <a:t>Created in </a:t>
             </a:r>
             <a:r>
               <a:rPr lang="en-US" b="1" dirty="0" smtClean="0"/>
@@ -7623,29 +7428,33 @@
             </a:r>
             <a:r>
               <a:rPr lang="en-US" b="1" dirty="0" smtClean="0"/>
-              <a:t>Excel</a:t>
+              <a:t>Excel </a:t>
             </a:r>
             <a:r>
               <a:rPr lang="en-US" dirty="0" smtClean="0"/>
-              <a:t> solved.</a:t>
-            </a:r>
-          </a:p>
-          <a:p>
+              <a:t>to </a:t>
+            </a:r>
             <a:r>
               <a:rPr lang="en-US" dirty="0" smtClean="0"/>
-              <a:t>Includes </a:t>
+              <a:t>have different games to be </a:t>
             </a:r>
             <a:r>
               <a:rPr lang="en-US" dirty="0" smtClean="0"/>
-              <a:t>games of </a:t>
+              <a:t>solved</a:t>
+            </a:r>
+            <a:r>
+              <a:rPr lang="en-US" dirty="0" smtClean="0"/>
+              <a:t>.</a:t>
+            </a:r>
+          </a:p>
+          <a:p>
+            <a:r>
+              <a:rPr lang="en-US" dirty="0" smtClean="0"/>
+              <a:t>Includes games of </a:t>
             </a:r>
             <a:r>
               <a:rPr lang="en-US" b="1" dirty="0" smtClean="0"/>
-              <a:t>different </a:t>
-            </a:r>
-            <a:r>
-              <a:rPr lang="en-US" b="1" dirty="0" smtClean="0"/>
-              <a:t>levels </a:t>
+              <a:t>different levels </a:t>
             </a:r>
             <a:r>
               <a:rPr lang="en-US" dirty="0" smtClean="0"/>
@@ -7655,15 +7464,7 @@
           <a:p>
             <a:r>
               <a:rPr lang="en-US" dirty="0" smtClean="0"/>
-              <a:t>The </a:t>
-            </a:r>
-            <a:r>
-              <a:rPr lang="en-US" dirty="0" smtClean="0"/>
-              <a:t>games </a:t>
-            </a:r>
-            <a:r>
-              <a:rPr lang="en-US" dirty="0" smtClean="0"/>
-              <a:t>are </a:t>
+              <a:t>The games are </a:t>
             </a:r>
             <a:r>
               <a:rPr lang="en-US" b="1" dirty="0" smtClean="0"/>
@@ -7671,19 +7472,7 @@
             </a:r>
             <a:r>
               <a:rPr lang="en-US" dirty="0" smtClean="0"/>
-              <a:t> </a:t>
-            </a:r>
-            <a:r>
-              <a:rPr lang="en-US" dirty="0" smtClean="0"/>
-              <a:t>when </a:t>
-            </a:r>
-            <a:r>
-              <a:rPr lang="en-US" dirty="0" smtClean="0"/>
-              <a:t>the GUI </a:t>
-            </a:r>
-            <a:r>
-              <a:rPr lang="en-US" dirty="0" smtClean="0"/>
-              <a:t>is </a:t>
+              <a:t> when the GUI is </a:t>
             </a:r>
             <a:r>
               <a:rPr lang="en-US" b="1" dirty="0" smtClean="0"/>
@@ -7697,11 +7486,7 @@
           <a:p>
             <a:r>
               <a:rPr lang="en-US" dirty="0" smtClean="0"/>
-              <a:t>The reading process is performed by means of MATLAB's built-in </a:t>
-            </a:r>
-            <a:r>
-              <a:rPr lang="en-US" dirty="0" smtClean="0"/>
-              <a:t>function </a:t>
+              <a:t>The reading process is performed by means of MATLAB's built-in function </a:t>
             </a:r>
             <a:r>
               <a:rPr lang="en-US" b="1" dirty="0" err="1" smtClean="0"/>
@@ -7711,7 +7496,6 @@
               <a:rPr lang="en-US" dirty="0" smtClean="0"/>
               <a:t>. </a:t>
             </a:r>
-            <a:endParaRPr lang="en-US" dirty="0" smtClean="0"/>
           </a:p>
           <a:p>
             <a:endParaRPr lang="en-US" dirty="0" smtClean="0"/>
@@ -7771,14 +7555,7 @@
                 <a:latin typeface="Courier New" pitchFamily="49" charset="0"/>
                 <a:cs typeface="Courier New" pitchFamily="49" charset="0"/>
               </a:rPr>
-              <a:t>% </a:t>
-            </a:r>
-            <a:r>
-              <a:rPr lang="en-US" dirty="0" smtClean="0">
-                <a:latin typeface="Courier New" pitchFamily="49" charset="0"/>
-                <a:cs typeface="Courier New" pitchFamily="49" charset="0"/>
-              </a:rPr>
-              <a:t>Read predefined games from the input spreadsheet</a:t>
+              <a:t>% Read predefined games from the input spreadsheet</a:t>
             </a:r>
           </a:p>
           <a:p>
